--- a/0-KontrakKuliah/0-KontrakKuliah.pptx
+++ b/0-KontrakKuliah/0-KontrakKuliah.pptx
@@ -18,31 +18,24 @@
   <p:notesSz cx="6858000" cy="9144000"/>
   <p:embeddedFontLst>
     <p:embeddedFont>
-      <p:font typeface="Calibri" panose="020F0502020204030204" pitchFamily="34" charset="0"/>
+      <p:font typeface="Open Sauce" panose="020B0604020202020204" charset="0"/>
       <p:regular r:id="rId10"/>
-      <p:bold r:id="rId11"/>
-      <p:italic r:id="rId12"/>
-      <p:boldItalic r:id="rId13"/>
-    </p:embeddedFont>
-    <p:embeddedFont>
-      <p:font typeface="Open Sauce" panose="020B0604020202020204" charset="0"/>
-      <p:regular r:id="rId14"/>
     </p:embeddedFont>
     <p:embeddedFont>
       <p:font typeface="Open Sauce Light" panose="020B0604020202020204" charset="0"/>
-      <p:regular r:id="rId15"/>
+      <p:regular r:id="rId11"/>
     </p:embeddedFont>
     <p:embeddedFont>
       <p:font typeface="Open Sauce Light Bold" panose="020B0604020202020204" charset="0"/>
-      <p:regular r:id="rId16"/>
+      <p:regular r:id="rId12"/>
     </p:embeddedFont>
     <p:embeddedFont>
       <p:font typeface="Open Sauce SemiBold" panose="020B0604020202020204" charset="0"/>
-      <p:regular r:id="rId17"/>
+      <p:regular r:id="rId13"/>
     </p:embeddedFont>
     <p:embeddedFont>
       <p:font typeface="Open Sauce SemiBold Bold" panose="020B0604020202020204" charset="0"/>
-      <p:regular r:id="rId18"/>
+      <p:regular r:id="rId14"/>
     </p:embeddedFont>
   </p:embeddedFontLst>
   <p:defaultTextStyle>
@@ -3521,13 +3514,22 @@
               <a:buChar char="•"/>
             </a:pPr>
             <a:r>
-              <a:rPr lang="en-US" sz="3000">
-                <a:solidFill>
-                  <a:srgbClr val="FFFFFF"/>
-                </a:solidFill>
-                <a:latin typeface="Open Sauce Light"/>
-              </a:rPr>
-              <a:t>Komputer/Laptop</a:t>
+              <a:rPr lang="en-US" sz="3000" dirty="0" err="1">
+                <a:solidFill>
+                  <a:srgbClr val="FFFFFF"/>
+                </a:solidFill>
+                <a:latin typeface="Open Sauce Light"/>
+              </a:rPr>
+              <a:t>Komputer</a:t>
+            </a:r>
+            <a:r>
+              <a:rPr lang="en-US" sz="3000" dirty="0">
+                <a:solidFill>
+                  <a:srgbClr val="FFFFFF"/>
+                </a:solidFill>
+                <a:latin typeface="Open Sauce Light"/>
+              </a:rPr>
+              <a:t>/Laptop</a:t>
             </a:r>
           </a:p>
           <a:p>
@@ -3539,13 +3541,94 @@
               <a:buChar char="•"/>
             </a:pPr>
             <a:r>
+              <a:rPr lang="en-US" sz="3000" dirty="0">
+                <a:solidFill>
+                  <a:srgbClr val="FFFFFF"/>
+                </a:solidFill>
+                <a:latin typeface="Open Sauce Light"/>
+              </a:rPr>
+              <a:t>Code Editor : </a:t>
+            </a:r>
+            <a:r>
               <a:rPr lang="en-US" sz="3000">
                 <a:solidFill>
                   <a:srgbClr val="FFFFFF"/>
                 </a:solidFill>
                 <a:latin typeface="Open Sauce Light"/>
               </a:rPr>
-              <a:t>Code Editor : VS Code, CodeBlock, DevCPP, IntelliJ IDEA (jangan menggunakan online compiler)</a:t>
+              <a:t>VS Code, </a:t>
+            </a:r>
+            <a:r>
+              <a:rPr lang="en-US" sz="3000" dirty="0" err="1">
+                <a:solidFill>
+                  <a:srgbClr val="FFFFFF"/>
+                </a:solidFill>
+                <a:latin typeface="Open Sauce Light"/>
+              </a:rPr>
+              <a:t>CodeBlock</a:t>
+            </a:r>
+            <a:r>
+              <a:rPr lang="en-US" sz="3000" dirty="0">
+                <a:solidFill>
+                  <a:srgbClr val="FFFFFF"/>
+                </a:solidFill>
+                <a:latin typeface="Open Sauce Light"/>
+              </a:rPr>
+              <a:t>, </a:t>
+            </a:r>
+            <a:r>
+              <a:rPr lang="en-US" sz="3000" dirty="0" err="1">
+                <a:solidFill>
+                  <a:srgbClr val="FFFFFF"/>
+                </a:solidFill>
+                <a:latin typeface="Open Sauce Light"/>
+              </a:rPr>
+              <a:t>DevCPP</a:t>
+            </a:r>
+            <a:r>
+              <a:rPr lang="en-US" sz="3000" dirty="0">
+                <a:solidFill>
+                  <a:srgbClr val="FFFFFF"/>
+                </a:solidFill>
+                <a:latin typeface="Open Sauce Light"/>
+              </a:rPr>
+              <a:t> (</a:t>
+            </a:r>
+            <a:r>
+              <a:rPr lang="en-US" sz="3000" dirty="0" err="1">
+                <a:solidFill>
+                  <a:srgbClr val="FFFFFF"/>
+                </a:solidFill>
+                <a:latin typeface="Open Sauce Light"/>
+              </a:rPr>
+              <a:t>jangan</a:t>
+            </a:r>
+            <a:r>
+              <a:rPr lang="en-US" sz="3000" dirty="0">
+                <a:solidFill>
+                  <a:srgbClr val="FFFFFF"/>
+                </a:solidFill>
+                <a:latin typeface="Open Sauce Light"/>
+              </a:rPr>
+              <a:t> </a:t>
+            </a:r>
+            <a:r>
+              <a:rPr lang="en-US" sz="3000" dirty="0" err="1">
+                <a:solidFill>
+                  <a:srgbClr val="FFFFFF"/>
+                </a:solidFill>
+                <a:latin typeface="Open Sauce Light"/>
+              </a:rPr>
+              <a:t>menggunakan</a:t>
+            </a:r>
+            <a:r>
+              <a:rPr lang="en-US" sz="3000" dirty="0">
+                <a:solidFill>
+                  <a:srgbClr val="FFFFFF"/>
+                </a:solidFill>
+                <a:latin typeface="Open Sauce Light"/>
+              </a:rPr>
+              <a:t> online compiler)</a:t>
             </a:r>
           </a:p>
           <a:p>
@@ -3557,7 +3640,7 @@
               <a:buChar char="•"/>
             </a:pPr>
             <a:r>
-              <a:rPr lang="en-US" sz="3000">
+              <a:rPr lang="en-US" sz="3000" dirty="0">
                 <a:solidFill>
                   <a:srgbClr val="FFFFFF"/>
                 </a:solidFill>
@@ -3575,7 +3658,7 @@
               <a:buChar char="•"/>
             </a:pPr>
             <a:r>
-              <a:rPr lang="en-US" sz="3000">
+              <a:rPr lang="en-US" sz="3000" dirty="0">
                 <a:solidFill>
                   <a:srgbClr val="FFFFFF"/>
                 </a:solidFill>
@@ -3593,7 +3676,7 @@
               <a:buChar char="•"/>
             </a:pPr>
             <a:r>
-              <a:rPr lang="en-US" sz="3000">
+              <a:rPr lang="en-US" sz="3000" dirty="0">
                 <a:solidFill>
                   <a:srgbClr val="FFFFFF"/>
                 </a:solidFill>
@@ -3687,7 +3770,7 @@
         <p:spPr>
           <a:xfrm>
             <a:off x="1428750" y="2466975"/>
-            <a:ext cx="15430500" cy="6924675"/>
+            <a:ext cx="15430500" cy="6417078"/>
           </a:xfrm>
           <a:prstGeom prst="rect">
             <a:avLst/>
@@ -3707,15 +3790,122 @@
               <a:buChar char="•"/>
             </a:pPr>
             <a:r>
-              <a:rPr lang="en-US" sz="3000">
+              <a:rPr lang="en-US" sz="3000" dirty="0" err="1">
                 <a:solidFill>
                   <a:srgbClr val="FFFFFF"/>
                 </a:solidFill>
                 <a:latin typeface="Open Sauce Light"/>
                 <a:ea typeface="Open Sauce Light"/>
               </a:rPr>
-              <a:t>Praktikum akan dilakukan di B4.10 (jadwal tetap belum ditentukan karena bertabrakan dengan kelas kami 😔)</a:t>
-            </a:r>
+              <a:t>Praktikum</a:t>
+            </a:r>
+            <a:r>
+              <a:rPr lang="en-US" sz="3000" dirty="0">
+                <a:solidFill>
+                  <a:srgbClr val="FFFFFF"/>
+                </a:solidFill>
+                <a:latin typeface="Open Sauce Light"/>
+                <a:ea typeface="Open Sauce Light"/>
+              </a:rPr>
+              <a:t> </a:t>
+            </a:r>
+            <a:r>
+              <a:rPr lang="en-US" sz="3000" dirty="0" err="1">
+                <a:solidFill>
+                  <a:srgbClr val="FFFFFF"/>
+                </a:solidFill>
+                <a:latin typeface="Open Sauce Light"/>
+                <a:ea typeface="Open Sauce Light"/>
+              </a:rPr>
+              <a:t>akan</a:t>
+            </a:r>
+            <a:r>
+              <a:rPr lang="en-US" sz="3000" dirty="0">
+                <a:solidFill>
+                  <a:srgbClr val="FFFFFF"/>
+                </a:solidFill>
+                <a:latin typeface="Open Sauce Light"/>
+                <a:ea typeface="Open Sauce Light"/>
+              </a:rPr>
+              <a:t> </a:t>
+            </a:r>
+            <a:r>
+              <a:rPr lang="en-US" sz="3000" dirty="0" err="1">
+                <a:solidFill>
+                  <a:srgbClr val="FFFFFF"/>
+                </a:solidFill>
+                <a:latin typeface="Open Sauce Light"/>
+                <a:ea typeface="Open Sauce Light"/>
+              </a:rPr>
+              <a:t>dilakukan</a:t>
+            </a:r>
+            <a:r>
+              <a:rPr lang="en-US" sz="3000" dirty="0">
+                <a:solidFill>
+                  <a:srgbClr val="FFFFFF"/>
+                </a:solidFill>
+                <a:latin typeface="Open Sauce Light"/>
+                <a:ea typeface="Open Sauce Light"/>
+              </a:rPr>
+              <a:t> di B4.10 pada </a:t>
+            </a:r>
+            <a:r>
+              <a:rPr lang="en-US" sz="3000" dirty="0" err="1">
+                <a:solidFill>
+                  <a:srgbClr val="FFFFFF"/>
+                </a:solidFill>
+                <a:latin typeface="Open Sauce Light"/>
+                <a:ea typeface="Open Sauce Light"/>
+              </a:rPr>
+              <a:t>pukul</a:t>
+            </a:r>
+            <a:r>
+              <a:rPr lang="en-US" sz="3000" dirty="0">
+                <a:solidFill>
+                  <a:srgbClr val="FFFFFF"/>
+                </a:solidFill>
+                <a:latin typeface="Open Sauce Light"/>
+                <a:ea typeface="Open Sauce Light"/>
+              </a:rPr>
+              <a:t> 15.30 </a:t>
+            </a:r>
+            <a:r>
+              <a:rPr lang="en-US" sz="3000" dirty="0" err="1">
+                <a:solidFill>
+                  <a:srgbClr val="FFFFFF"/>
+                </a:solidFill>
+                <a:latin typeface="Open Sauce Light"/>
+                <a:ea typeface="Open Sauce Light"/>
+              </a:rPr>
+              <a:t>sampai</a:t>
+            </a:r>
+            <a:r>
+              <a:rPr lang="en-US" sz="3000" dirty="0">
+                <a:solidFill>
+                  <a:srgbClr val="FFFFFF"/>
+                </a:solidFill>
+                <a:latin typeface="Open Sauce Light"/>
+                <a:ea typeface="Open Sauce Light"/>
+              </a:rPr>
+              <a:t> </a:t>
+            </a:r>
+            <a:r>
+              <a:rPr lang="en-US" sz="3000" dirty="0" err="1">
+                <a:solidFill>
+                  <a:srgbClr val="FFFFFF"/>
+                </a:solidFill>
+                <a:latin typeface="Open Sauce Light"/>
+                <a:ea typeface="Open Sauce Light"/>
+              </a:rPr>
+              <a:t>selesai</a:t>
+            </a:r>
+            <a:endParaRPr lang="en-US" sz="3000" dirty="0">
+              <a:solidFill>
+                <a:srgbClr val="FFFFFF"/>
+              </a:solidFill>
+              <a:latin typeface="Open Sauce Light"/>
+              <a:ea typeface="Open Sauce Light"/>
+            </a:endParaRPr>
           </a:p>
           <a:p>
             <a:pPr marL="647700" lvl="1" indent="-323850">
@@ -3726,13 +3916,76 @@
               <a:buChar char="•"/>
             </a:pPr>
             <a:r>
-              <a:rPr lang="en-US" sz="3000">
-                <a:solidFill>
-                  <a:srgbClr val="FFFFFF"/>
-                </a:solidFill>
-                <a:latin typeface="Open Sauce Light"/>
-              </a:rPr>
-              <a:t>Materi akan disediakan melalui Classroom di GitHub</a:t>
+              <a:rPr lang="en-US" sz="3000" dirty="0" err="1">
+                <a:solidFill>
+                  <a:srgbClr val="FFFFFF"/>
+                </a:solidFill>
+                <a:latin typeface="Open Sauce Light"/>
+              </a:rPr>
+              <a:t>Materi</a:t>
+            </a:r>
+            <a:r>
+              <a:rPr lang="en-US" sz="3000" dirty="0">
+                <a:solidFill>
+                  <a:srgbClr val="FFFFFF"/>
+                </a:solidFill>
+                <a:latin typeface="Open Sauce Light"/>
+              </a:rPr>
+              <a:t> </a:t>
+            </a:r>
+            <a:r>
+              <a:rPr lang="en-US" sz="3000" dirty="0" err="1">
+                <a:solidFill>
+                  <a:srgbClr val="FFFFFF"/>
+                </a:solidFill>
+                <a:latin typeface="Open Sauce Light"/>
+              </a:rPr>
+              <a:t>akan</a:t>
+            </a:r>
+            <a:r>
+              <a:rPr lang="en-US" sz="3000" dirty="0">
+                <a:solidFill>
+                  <a:srgbClr val="FFFFFF"/>
+                </a:solidFill>
+                <a:latin typeface="Open Sauce Light"/>
+              </a:rPr>
+              <a:t> </a:t>
+            </a:r>
+            <a:r>
+              <a:rPr lang="en-US" sz="3000" dirty="0" err="1">
+                <a:solidFill>
+                  <a:srgbClr val="FFFFFF"/>
+                </a:solidFill>
+                <a:latin typeface="Open Sauce Light"/>
+              </a:rPr>
+              <a:t>disediakan</a:t>
+            </a:r>
+            <a:r>
+              <a:rPr lang="en-US" sz="3000" dirty="0">
+                <a:solidFill>
+                  <a:srgbClr val="FFFFFF"/>
+                </a:solidFill>
+                <a:latin typeface="Open Sauce Light"/>
+              </a:rPr>
+              <a:t> </a:t>
+            </a:r>
+            <a:r>
+              <a:rPr lang="en-US" sz="3000" dirty="0" err="1">
+                <a:solidFill>
+                  <a:srgbClr val="FFFFFF"/>
+                </a:solidFill>
+                <a:latin typeface="Open Sauce Light"/>
+              </a:rPr>
+              <a:t>melalui</a:t>
+            </a:r>
+            <a:r>
+              <a:rPr lang="en-US" sz="3000" dirty="0">
+                <a:solidFill>
+                  <a:srgbClr val="FFFFFF"/>
+                </a:solidFill>
+                <a:latin typeface="Open Sauce Light"/>
+              </a:rPr>
+              <a:t> Classroom di GitHub</a:t>
             </a:r>
           </a:p>
           <a:p>
@@ -3744,13 +3997,139 @@
               <a:buChar char="•"/>
             </a:pPr>
             <a:r>
-              <a:rPr lang="en-US" sz="3000">
-                <a:solidFill>
-                  <a:srgbClr val="FFFFFF"/>
-                </a:solidFill>
-                <a:latin typeface="Open Sauce Light"/>
-              </a:rPr>
-              <a:t>Jika ada pertanyaan boleh tanya kami di WA grup atau secara private</a:t>
+              <a:rPr lang="en-US" sz="3000" dirty="0">
+                <a:solidFill>
+                  <a:srgbClr val="FFFFFF"/>
+                </a:solidFill>
+                <a:latin typeface="Open Sauce Light"/>
+              </a:rPr>
+              <a:t>Jika </a:t>
+            </a:r>
+            <a:r>
+              <a:rPr lang="en-US" sz="3000" dirty="0" err="1">
+                <a:solidFill>
+                  <a:srgbClr val="FFFFFF"/>
+                </a:solidFill>
+                <a:latin typeface="Open Sauce Light"/>
+              </a:rPr>
+              <a:t>ada</a:t>
+            </a:r>
+            <a:r>
+              <a:rPr lang="en-US" sz="3000" dirty="0">
+                <a:solidFill>
+                  <a:srgbClr val="FFFFFF"/>
+                </a:solidFill>
+                <a:latin typeface="Open Sauce Light"/>
+              </a:rPr>
+              <a:t> </a:t>
+            </a:r>
+            <a:r>
+              <a:rPr lang="en-US" sz="3000" dirty="0" err="1">
+                <a:solidFill>
+                  <a:srgbClr val="FFFFFF"/>
+                </a:solidFill>
+                <a:latin typeface="Open Sauce Light"/>
+              </a:rPr>
+              <a:t>pertanyaan</a:t>
+            </a:r>
+            <a:r>
+              <a:rPr lang="en-US" sz="3000" dirty="0">
+                <a:solidFill>
+                  <a:srgbClr val="FFFFFF"/>
+                </a:solidFill>
+                <a:latin typeface="Open Sauce Light"/>
+              </a:rPr>
+              <a:t> </a:t>
+            </a:r>
+            <a:r>
+              <a:rPr lang="en-US" sz="3000" dirty="0" err="1">
+                <a:solidFill>
+                  <a:srgbClr val="FFFFFF"/>
+                </a:solidFill>
+                <a:latin typeface="Open Sauce Light"/>
+              </a:rPr>
+              <a:t>boleh</a:t>
+            </a:r>
+            <a:r>
+              <a:rPr lang="en-US" sz="3000" dirty="0">
+                <a:solidFill>
+                  <a:srgbClr val="FFFFFF"/>
+                </a:solidFill>
+                <a:latin typeface="Open Sauce Light"/>
+              </a:rPr>
+              <a:t> </a:t>
+            </a:r>
+            <a:r>
+              <a:rPr lang="en-US" sz="3000" dirty="0" err="1">
+                <a:solidFill>
+                  <a:srgbClr val="FFFFFF"/>
+                </a:solidFill>
+                <a:latin typeface="Open Sauce Light"/>
+              </a:rPr>
+              <a:t>tanya</a:t>
+            </a:r>
+            <a:r>
+              <a:rPr lang="en-US" sz="3000" dirty="0">
+                <a:solidFill>
+                  <a:srgbClr val="FFFFFF"/>
+                </a:solidFill>
+                <a:latin typeface="Open Sauce Light"/>
+              </a:rPr>
+              <a:t> kami di WA </a:t>
+            </a:r>
+            <a:r>
+              <a:rPr lang="en-US" sz="3000" dirty="0" err="1">
+                <a:solidFill>
+                  <a:srgbClr val="FFFFFF"/>
+                </a:solidFill>
+                <a:latin typeface="Open Sauce Light"/>
+              </a:rPr>
+              <a:t>grup</a:t>
+            </a:r>
+            <a:r>
+              <a:rPr lang="en-US" sz="3000" dirty="0">
+                <a:solidFill>
+                  <a:srgbClr val="FFFFFF"/>
+                </a:solidFill>
+                <a:latin typeface="Open Sauce Light"/>
+              </a:rPr>
+              <a:t> </a:t>
+            </a:r>
+            <a:r>
+              <a:rPr lang="en-US" sz="3000" dirty="0" err="1">
+                <a:solidFill>
+                  <a:srgbClr val="FFFFFF"/>
+                </a:solidFill>
+                <a:latin typeface="Open Sauce Light"/>
+              </a:rPr>
+              <a:t>atau</a:t>
+            </a:r>
+            <a:r>
+              <a:rPr lang="en-US" sz="3000" dirty="0">
+                <a:solidFill>
+                  <a:srgbClr val="FFFFFF"/>
+                </a:solidFill>
+                <a:latin typeface="Open Sauce Light"/>
+              </a:rPr>
+              <a:t> </a:t>
+            </a:r>
+            <a:r>
+              <a:rPr lang="en-US" sz="3000" dirty="0" err="1">
+                <a:solidFill>
+                  <a:srgbClr val="FFFFFF"/>
+                </a:solidFill>
+                <a:latin typeface="Open Sauce Light"/>
+              </a:rPr>
+              <a:t>secara</a:t>
+            </a:r>
+            <a:r>
+              <a:rPr lang="en-US" sz="3000" dirty="0">
+                <a:solidFill>
+                  <a:srgbClr val="FFFFFF"/>
+                </a:solidFill>
+                <a:latin typeface="Open Sauce Light"/>
+              </a:rPr>
+              <a:t> private</a:t>
             </a:r>
           </a:p>
           <a:p>
@@ -3762,14 +4141,164 @@
               <a:buChar char="•"/>
             </a:pPr>
             <a:r>
-              <a:rPr lang="en-US" sz="3000">
-                <a:solidFill>
-                  <a:srgbClr val="FFFFFF"/>
-                </a:solidFill>
-                <a:latin typeface="Open Sauce Light"/>
-              </a:rPr>
-              <a:t>Absen akan melalui penandatanganan absensi praktikum, atau lewat GForm</a:t>
-            </a:r>
+              <a:rPr lang="en-US" sz="3000" dirty="0" err="1">
+                <a:solidFill>
+                  <a:srgbClr val="FFFFFF"/>
+                </a:solidFill>
+                <a:latin typeface="Open Sauce Light"/>
+              </a:rPr>
+              <a:t>Absen</a:t>
+            </a:r>
+            <a:r>
+              <a:rPr lang="en-US" sz="3000" dirty="0">
+                <a:solidFill>
+                  <a:srgbClr val="FFFFFF"/>
+                </a:solidFill>
+                <a:latin typeface="Open Sauce Light"/>
+              </a:rPr>
+              <a:t> </a:t>
+            </a:r>
+            <a:r>
+              <a:rPr lang="en-US" sz="3000" dirty="0" err="1">
+                <a:solidFill>
+                  <a:srgbClr val="FFFFFF"/>
+                </a:solidFill>
+                <a:latin typeface="Open Sauce Light"/>
+              </a:rPr>
+              <a:t>akan</a:t>
+            </a:r>
+            <a:r>
+              <a:rPr lang="en-US" sz="3000" dirty="0">
+                <a:solidFill>
+                  <a:srgbClr val="FFFFFF"/>
+                </a:solidFill>
+                <a:latin typeface="Open Sauce Light"/>
+              </a:rPr>
+              <a:t> </a:t>
+            </a:r>
+            <a:r>
+              <a:rPr lang="en-US" sz="3000" dirty="0" err="1">
+                <a:solidFill>
+                  <a:srgbClr val="FFFFFF"/>
+                </a:solidFill>
+                <a:latin typeface="Open Sauce Light"/>
+              </a:rPr>
+              <a:t>melalui</a:t>
+            </a:r>
+            <a:r>
+              <a:rPr lang="en-US" sz="3000" dirty="0">
+                <a:solidFill>
+                  <a:srgbClr val="FFFFFF"/>
+                </a:solidFill>
+                <a:latin typeface="Open Sauce Light"/>
+              </a:rPr>
+              <a:t> </a:t>
+            </a:r>
+            <a:r>
+              <a:rPr lang="en-US" sz="3000" dirty="0" err="1">
+                <a:solidFill>
+                  <a:srgbClr val="FFFFFF"/>
+                </a:solidFill>
+                <a:latin typeface="Open Sauce Light"/>
+              </a:rPr>
+              <a:t>penandatanganan</a:t>
+            </a:r>
+            <a:r>
+              <a:rPr lang="en-US" sz="3000" dirty="0">
+                <a:solidFill>
+                  <a:srgbClr val="FFFFFF"/>
+                </a:solidFill>
+                <a:latin typeface="Open Sauce Light"/>
+              </a:rPr>
+              <a:t> </a:t>
+            </a:r>
+            <a:r>
+              <a:rPr lang="en-US" sz="3000" dirty="0" err="1">
+                <a:solidFill>
+                  <a:srgbClr val="FFFFFF"/>
+                </a:solidFill>
+                <a:latin typeface="Open Sauce Light"/>
+              </a:rPr>
+              <a:t>absensi</a:t>
+            </a:r>
+            <a:r>
+              <a:rPr lang="en-US" sz="3000" dirty="0">
+                <a:solidFill>
+                  <a:srgbClr val="FFFFFF"/>
+                </a:solidFill>
+                <a:latin typeface="Open Sauce Light"/>
+              </a:rPr>
+              <a:t> </a:t>
+            </a:r>
+            <a:r>
+              <a:rPr lang="en-US" sz="3000" dirty="0" err="1">
+                <a:solidFill>
+                  <a:srgbClr val="FFFFFF"/>
+                </a:solidFill>
+                <a:latin typeface="Open Sauce Light"/>
+              </a:rPr>
+              <a:t>praktikum</a:t>
+            </a:r>
+            <a:r>
+              <a:rPr lang="en-US" sz="3000" dirty="0">
+                <a:solidFill>
+                  <a:srgbClr val="FFFFFF"/>
+                </a:solidFill>
+                <a:latin typeface="Open Sauce Light"/>
+              </a:rPr>
+              <a:t>, </a:t>
+            </a:r>
+            <a:r>
+              <a:rPr lang="en-US" sz="3000" dirty="0" err="1">
+                <a:solidFill>
+                  <a:srgbClr val="FFFFFF"/>
+                </a:solidFill>
+                <a:latin typeface="Open Sauce Light"/>
+              </a:rPr>
+              <a:t>atau</a:t>
+            </a:r>
+            <a:r>
+              <a:rPr lang="en-US" sz="3000" dirty="0">
+                <a:solidFill>
+                  <a:srgbClr val="FFFFFF"/>
+                </a:solidFill>
+                <a:latin typeface="Open Sauce Light"/>
+              </a:rPr>
+              <a:t> </a:t>
+            </a:r>
+            <a:r>
+              <a:rPr lang="en-US" sz="3000" dirty="0" err="1">
+                <a:solidFill>
+                  <a:srgbClr val="FFFFFF"/>
+                </a:solidFill>
+                <a:latin typeface="Open Sauce Light"/>
+              </a:rPr>
+              <a:t>lewat</a:t>
+            </a:r>
+            <a:r>
+              <a:rPr lang="en-US" sz="3000" dirty="0">
+                <a:solidFill>
+                  <a:srgbClr val="FFFFFF"/>
+                </a:solidFill>
+                <a:latin typeface="Open Sauce Light"/>
+              </a:rPr>
+              <a:t> </a:t>
+            </a:r>
+            <a:r>
+              <a:rPr lang="en-US" sz="3000" dirty="0" err="1">
+                <a:solidFill>
+                  <a:srgbClr val="FFFFFF"/>
+                </a:solidFill>
+                <a:latin typeface="Open Sauce Light"/>
+              </a:rPr>
+              <a:t>GForm</a:t>
+            </a:r>
+            <a:endParaRPr lang="en-US" sz="3000" dirty="0">
+              <a:solidFill>
+                <a:srgbClr val="FFFFFF"/>
+              </a:solidFill>
+              <a:latin typeface="Open Sauce Light"/>
+            </a:endParaRPr>
           </a:p>
           <a:p>
             <a:pPr marL="647700" lvl="1" indent="-323850">
@@ -3780,31 +4309,157 @@
               <a:buChar char="•"/>
             </a:pPr>
             <a:r>
-              <a:rPr lang="en-US" sz="3000">
-                <a:solidFill>
-                  <a:srgbClr val="FFFFFF"/>
-                </a:solidFill>
-                <a:latin typeface="Open Sauce Light"/>
-              </a:rPr>
-              <a:t>File yang dikumpulkan berupa </a:t>
-            </a:r>
-            <a:r>
-              <a:rPr lang="en-US" sz="3000">
+              <a:rPr lang="en-US" sz="3000" dirty="0">
+                <a:solidFill>
+                  <a:srgbClr val="FFFFFF"/>
+                </a:solidFill>
+                <a:latin typeface="Open Sauce Light"/>
+              </a:rPr>
+              <a:t>File yang </a:t>
+            </a:r>
+            <a:r>
+              <a:rPr lang="en-US" sz="3000" dirty="0" err="1">
+                <a:solidFill>
+                  <a:srgbClr val="FFFFFF"/>
+                </a:solidFill>
+                <a:latin typeface="Open Sauce Light"/>
+              </a:rPr>
+              <a:t>dikumpulkan</a:t>
+            </a:r>
+            <a:r>
+              <a:rPr lang="en-US" sz="3000" dirty="0">
+                <a:solidFill>
+                  <a:srgbClr val="FFFFFF"/>
+                </a:solidFill>
+                <a:latin typeface="Open Sauce Light"/>
+              </a:rPr>
+              <a:t> </a:t>
+            </a:r>
+            <a:r>
+              <a:rPr lang="en-US" sz="3000" dirty="0" err="1">
+                <a:solidFill>
+                  <a:srgbClr val="FFFFFF"/>
+                </a:solidFill>
+                <a:latin typeface="Open Sauce Light"/>
+              </a:rPr>
+              <a:t>berupa</a:t>
+            </a:r>
+            <a:r>
+              <a:rPr lang="en-US" sz="3000" dirty="0">
+                <a:solidFill>
+                  <a:srgbClr val="FFFFFF"/>
+                </a:solidFill>
+                <a:latin typeface="Open Sauce Light"/>
+              </a:rPr>
+              <a:t> </a:t>
+            </a:r>
+            <a:r>
+              <a:rPr lang="en-US" sz="3000" dirty="0">
                 <a:solidFill>
                   <a:srgbClr val="FFFFFF"/>
                 </a:solidFill>
                 <a:latin typeface="Open Sauce Light Bold"/>
               </a:rPr>
-              <a:t>.cpp/.pdf </a:t>
-            </a:r>
-            <a:r>
-              <a:rPr lang="en-US" sz="3000">
-                <a:solidFill>
-                  <a:srgbClr val="FFFFFF"/>
-                </a:solidFill>
-                <a:latin typeface="Open Sauce Light"/>
-              </a:rPr>
-              <a:t>(mengikuti tugas praktikum) dengan format : </a:t>
+              <a:t>.</a:t>
+            </a:r>
+            <a:r>
+              <a:rPr lang="en-US" sz="3000" dirty="0" err="1">
+                <a:solidFill>
+                  <a:srgbClr val="FFFFFF"/>
+                </a:solidFill>
+                <a:latin typeface="Open Sauce Light Bold"/>
+              </a:rPr>
+              <a:t>cpp</a:t>
+            </a:r>
+            <a:r>
+              <a:rPr lang="en-US" sz="3000" dirty="0">
+                <a:solidFill>
+                  <a:srgbClr val="FFFFFF"/>
+                </a:solidFill>
+                <a:latin typeface="Open Sauce Light Bold"/>
+              </a:rPr>
+              <a:t>/.pdf </a:t>
+            </a:r>
+            <a:r>
+              <a:rPr lang="en-US" sz="3000" dirty="0">
+                <a:solidFill>
+                  <a:srgbClr val="FFFFFF"/>
+                </a:solidFill>
+                <a:latin typeface="Open Sauce Light"/>
+              </a:rPr>
+              <a:t>(</a:t>
+            </a:r>
+            <a:r>
+              <a:rPr lang="en-US" sz="3000" dirty="0" err="1">
+                <a:solidFill>
+                  <a:srgbClr val="FFFFFF"/>
+                </a:solidFill>
+                <a:latin typeface="Open Sauce Light"/>
+              </a:rPr>
+              <a:t>mengikuti</a:t>
+            </a:r>
+            <a:r>
+              <a:rPr lang="en-US" sz="3000" dirty="0">
+                <a:solidFill>
+                  <a:srgbClr val="FFFFFF"/>
+                </a:solidFill>
+                <a:latin typeface="Open Sauce Light"/>
+              </a:rPr>
+              <a:t> </a:t>
+            </a:r>
+            <a:r>
+              <a:rPr lang="en-US" sz="3000" dirty="0" err="1">
+                <a:solidFill>
+                  <a:srgbClr val="FFFFFF"/>
+                </a:solidFill>
+                <a:latin typeface="Open Sauce Light"/>
+              </a:rPr>
+              <a:t>tugas</a:t>
+            </a:r>
+            <a:r>
+              <a:rPr lang="en-US" sz="3000" dirty="0">
+                <a:solidFill>
+                  <a:srgbClr val="FFFFFF"/>
+                </a:solidFill>
+                <a:latin typeface="Open Sauce Light"/>
+              </a:rPr>
+              <a:t> </a:t>
+            </a:r>
+            <a:r>
+              <a:rPr lang="en-US" sz="3000" dirty="0" err="1">
+                <a:solidFill>
+                  <a:srgbClr val="FFFFFF"/>
+                </a:solidFill>
+                <a:latin typeface="Open Sauce Light"/>
+              </a:rPr>
+              <a:t>praktikum</a:t>
+            </a:r>
+            <a:r>
+              <a:rPr lang="en-US" sz="3000" dirty="0">
+                <a:solidFill>
+                  <a:srgbClr val="FFFFFF"/>
+                </a:solidFill>
+                <a:latin typeface="Open Sauce Light"/>
+              </a:rPr>
+              <a:t>) </a:t>
+            </a:r>
+            <a:r>
+              <a:rPr lang="en-US" sz="3000" dirty="0" err="1">
+                <a:solidFill>
+                  <a:srgbClr val="FFFFFF"/>
+                </a:solidFill>
+                <a:latin typeface="Open Sauce Light"/>
+              </a:rPr>
+              <a:t>dengan</a:t>
+            </a:r>
+            <a:r>
+              <a:rPr lang="en-US" sz="3000" dirty="0">
+                <a:solidFill>
+                  <a:srgbClr val="FFFFFF"/>
+                </a:solidFill>
+                <a:latin typeface="Open Sauce Light"/>
+              </a:rPr>
+              <a:t> format : </a:t>
             </a:r>
           </a:p>
           <a:p>
@@ -3816,7 +4471,7 @@
               <a:buChar char="⚬"/>
             </a:pPr>
             <a:r>
-              <a:rPr lang="en-US" sz="3000">
+              <a:rPr lang="en-US" sz="3000" dirty="0">
                 <a:solidFill>
                   <a:srgbClr val="FFFFFF"/>
                 </a:solidFill>
@@ -3834,13 +4489,22 @@
               <a:buChar char="⚬"/>
             </a:pPr>
             <a:r>
-              <a:rPr lang="en-US" sz="3000">
-                <a:solidFill>
-                  <a:srgbClr val="FFFFFF"/>
-                </a:solidFill>
-                <a:latin typeface="Open Sauce Light"/>
-              </a:rPr>
-              <a:t>contoh : L0099000_Komeng_PSDA12.pdf</a:t>
+              <a:rPr lang="en-US" sz="3000" dirty="0" err="1">
+                <a:solidFill>
+                  <a:srgbClr val="FFFFFF"/>
+                </a:solidFill>
+                <a:latin typeface="Open Sauce Light"/>
+              </a:rPr>
+              <a:t>contoh</a:t>
+            </a:r>
+            <a:r>
+              <a:rPr lang="en-US" sz="3000" dirty="0">
+                <a:solidFill>
+                  <a:srgbClr val="FFFFFF"/>
+                </a:solidFill>
+                <a:latin typeface="Open Sauce Light"/>
+              </a:rPr>
+              <a:t> : L0099000_Komeng_PSDA12.pdf</a:t>
             </a:r>
           </a:p>
           <a:p>
@@ -3852,14 +4516,164 @@
               <a:buChar char="•"/>
             </a:pPr>
             <a:r>
-              <a:rPr lang="en-US" sz="3000">
-                <a:solidFill>
-                  <a:srgbClr val="FFFFFF"/>
-                </a:solidFill>
-                <a:latin typeface="Open Sauce Light"/>
-              </a:rPr>
-              <a:t>Usahakan berikan comment berisi nama, NIM, Kelas di setiap kode yang kamu kerjakan</a:t>
-            </a:r>
+              <a:rPr lang="en-US" sz="3000" dirty="0" err="1">
+                <a:solidFill>
+                  <a:srgbClr val="FFFFFF"/>
+                </a:solidFill>
+                <a:latin typeface="Open Sauce Light"/>
+              </a:rPr>
+              <a:t>Usahakan</a:t>
+            </a:r>
+            <a:r>
+              <a:rPr lang="en-US" sz="3000" dirty="0">
+                <a:solidFill>
+                  <a:srgbClr val="FFFFFF"/>
+                </a:solidFill>
+                <a:latin typeface="Open Sauce Light"/>
+              </a:rPr>
+              <a:t> </a:t>
+            </a:r>
+            <a:r>
+              <a:rPr lang="en-US" sz="3000" dirty="0" err="1">
+                <a:solidFill>
+                  <a:srgbClr val="FFFFFF"/>
+                </a:solidFill>
+                <a:latin typeface="Open Sauce Light"/>
+              </a:rPr>
+              <a:t>berikan</a:t>
+            </a:r>
+            <a:r>
+              <a:rPr lang="en-US" sz="3000" dirty="0">
+                <a:solidFill>
+                  <a:srgbClr val="FFFFFF"/>
+                </a:solidFill>
+                <a:latin typeface="Open Sauce Light"/>
+              </a:rPr>
+              <a:t> comment </a:t>
+            </a:r>
+            <a:r>
+              <a:rPr lang="en-US" sz="3000" dirty="0" err="1">
+                <a:solidFill>
+                  <a:srgbClr val="FFFFFF"/>
+                </a:solidFill>
+                <a:latin typeface="Open Sauce Light"/>
+              </a:rPr>
+              <a:t>berisi</a:t>
+            </a:r>
+            <a:r>
+              <a:rPr lang="en-US" sz="3000" dirty="0">
+                <a:solidFill>
+                  <a:srgbClr val="FFFFFF"/>
+                </a:solidFill>
+                <a:latin typeface="Open Sauce Light"/>
+              </a:rPr>
+              <a:t> </a:t>
+            </a:r>
+            <a:r>
+              <a:rPr lang="en-US" sz="3000" dirty="0" err="1">
+                <a:solidFill>
+                  <a:srgbClr val="FFFFFF"/>
+                </a:solidFill>
+                <a:latin typeface="Open Sauce Light"/>
+              </a:rPr>
+              <a:t>nama</a:t>
+            </a:r>
+            <a:r>
+              <a:rPr lang="en-US" sz="3000" dirty="0">
+                <a:solidFill>
+                  <a:srgbClr val="FFFFFF"/>
+                </a:solidFill>
+                <a:latin typeface="Open Sauce Light"/>
+              </a:rPr>
+              <a:t>, NIM, </a:t>
+            </a:r>
+            <a:r>
+              <a:rPr lang="en-US" sz="3000" dirty="0" err="1">
+                <a:solidFill>
+                  <a:srgbClr val="FFFFFF"/>
+                </a:solidFill>
+                <a:latin typeface="Open Sauce Light"/>
+              </a:rPr>
+              <a:t>Kelas</a:t>
+            </a:r>
+            <a:r>
+              <a:rPr lang="en-US" sz="3000" dirty="0">
+                <a:solidFill>
+                  <a:srgbClr val="FFFFFF"/>
+                </a:solidFill>
+                <a:latin typeface="Open Sauce Light"/>
+              </a:rPr>
+              <a:t> di </a:t>
+            </a:r>
+            <a:r>
+              <a:rPr lang="en-US" sz="3000" dirty="0" err="1">
+                <a:solidFill>
+                  <a:srgbClr val="FFFFFF"/>
+                </a:solidFill>
+                <a:latin typeface="Open Sauce Light"/>
+              </a:rPr>
+              <a:t>setiap</a:t>
+            </a:r>
+            <a:r>
+              <a:rPr lang="en-US" sz="3000" dirty="0">
+                <a:solidFill>
+                  <a:srgbClr val="FFFFFF"/>
+                </a:solidFill>
+                <a:latin typeface="Open Sauce Light"/>
+              </a:rPr>
+              <a:t> </a:t>
+            </a:r>
+            <a:r>
+              <a:rPr lang="en-US" sz="3000" dirty="0" err="1">
+                <a:solidFill>
+                  <a:srgbClr val="FFFFFF"/>
+                </a:solidFill>
+                <a:latin typeface="Open Sauce Light"/>
+              </a:rPr>
+              <a:t>kode</a:t>
+            </a:r>
+            <a:r>
+              <a:rPr lang="en-US" sz="3000" dirty="0">
+                <a:solidFill>
+                  <a:srgbClr val="FFFFFF"/>
+                </a:solidFill>
+                <a:latin typeface="Open Sauce Light"/>
+              </a:rPr>
+              <a:t> yang </a:t>
+            </a:r>
+            <a:r>
+              <a:rPr lang="en-US" sz="3000" dirty="0" err="1">
+                <a:solidFill>
+                  <a:srgbClr val="FFFFFF"/>
+                </a:solidFill>
+                <a:latin typeface="Open Sauce Light"/>
+              </a:rPr>
+              <a:t>kamu</a:t>
+            </a:r>
+            <a:r>
+              <a:rPr lang="en-US" sz="3000" dirty="0">
+                <a:solidFill>
+                  <a:srgbClr val="FFFFFF"/>
+                </a:solidFill>
+                <a:latin typeface="Open Sauce Light"/>
+              </a:rPr>
+              <a:t> </a:t>
+            </a:r>
+            <a:r>
+              <a:rPr lang="en-US" sz="3000" dirty="0" err="1">
+                <a:solidFill>
+                  <a:srgbClr val="FFFFFF"/>
+                </a:solidFill>
+                <a:latin typeface="Open Sauce Light"/>
+              </a:rPr>
+              <a:t>kerjakan</a:t>
+            </a:r>
+            <a:endParaRPr lang="en-US" sz="3000" dirty="0">
+              <a:solidFill>
+                <a:srgbClr val="FFFFFF"/>
+              </a:solidFill>
+              <a:latin typeface="Open Sauce Light"/>
+            </a:endParaRPr>
           </a:p>
           <a:p>
             <a:pPr marL="647700" lvl="1" indent="-323850">
@@ -3870,13 +4684,58 @@
               <a:buChar char="•"/>
             </a:pPr>
             <a:r>
-              <a:rPr lang="en-US" sz="3000">
-                <a:solidFill>
-                  <a:srgbClr val="FFFFFF"/>
-                </a:solidFill>
-                <a:latin typeface="Open Sauce Light"/>
-              </a:rPr>
-              <a:t>Terlambat 1 hari = -1 (maks. =30)</a:t>
+              <a:rPr lang="en-US" sz="3000" dirty="0" err="1">
+                <a:solidFill>
+                  <a:srgbClr val="FFFFFF"/>
+                </a:solidFill>
+                <a:latin typeface="Open Sauce Light"/>
+              </a:rPr>
+              <a:t>Terlambat</a:t>
+            </a:r>
+            <a:r>
+              <a:rPr lang="en-US" sz="3000" dirty="0">
+                <a:solidFill>
+                  <a:srgbClr val="FFFFFF"/>
+                </a:solidFill>
+                <a:latin typeface="Open Sauce Light"/>
+              </a:rPr>
+              <a:t> 1 </a:t>
+            </a:r>
+            <a:r>
+              <a:rPr lang="en-US" sz="3000" dirty="0" err="1">
+                <a:solidFill>
+                  <a:srgbClr val="FFFFFF"/>
+                </a:solidFill>
+                <a:latin typeface="Open Sauce Light"/>
+              </a:rPr>
+              <a:t>hari</a:t>
+            </a:r>
+            <a:r>
+              <a:rPr lang="en-US" sz="3000" dirty="0">
+                <a:solidFill>
+                  <a:srgbClr val="FFFFFF"/>
+                </a:solidFill>
+                <a:latin typeface="Open Sauce Light"/>
+              </a:rPr>
+              <a:t> = -1 (</a:t>
+            </a:r>
+            <a:r>
+              <a:rPr lang="en-US" sz="3000" dirty="0" err="1">
+                <a:solidFill>
+                  <a:srgbClr val="FFFFFF"/>
+                </a:solidFill>
+                <a:latin typeface="Open Sauce Light"/>
+              </a:rPr>
+              <a:t>maks</a:t>
+            </a:r>
+            <a:r>
+              <a:rPr lang="en-US" sz="3000" dirty="0">
+                <a:solidFill>
+                  <a:srgbClr val="FFFFFF"/>
+                </a:solidFill>
+                <a:latin typeface="Open Sauce Light"/>
+              </a:rPr>
+              <a:t>. = 30)</a:t>
             </a:r>
           </a:p>
           <a:p>
@@ -3888,14 +4747,200 @@
               <a:buChar char="•"/>
             </a:pPr>
             <a:r>
-              <a:rPr lang="en-US" sz="3000">
-                <a:solidFill>
-                  <a:srgbClr val="FFFFFF"/>
-                </a:solidFill>
-                <a:latin typeface="Open Sauce Light"/>
-              </a:rPr>
-              <a:t>Izin tidak ikut praktikum disampaikan ke asdos dengan alasan jelas dan logis</a:t>
-            </a:r>
+              <a:rPr lang="en-US" sz="3000" dirty="0" err="1">
+                <a:solidFill>
+                  <a:srgbClr val="FFFFFF"/>
+                </a:solidFill>
+                <a:latin typeface="Open Sauce Light"/>
+              </a:rPr>
+              <a:t>Izin</a:t>
+            </a:r>
+            <a:r>
+              <a:rPr lang="en-US" sz="3000" dirty="0">
+                <a:solidFill>
+                  <a:srgbClr val="FFFFFF"/>
+                </a:solidFill>
+                <a:latin typeface="Open Sauce Light"/>
+              </a:rPr>
+              <a:t> </a:t>
+            </a:r>
+            <a:r>
+              <a:rPr lang="en-US" sz="3000" dirty="0" err="1">
+                <a:solidFill>
+                  <a:srgbClr val="FFFFFF"/>
+                </a:solidFill>
+                <a:latin typeface="Open Sauce Light"/>
+              </a:rPr>
+              <a:t>tidak</a:t>
+            </a:r>
+            <a:r>
+              <a:rPr lang="en-US" sz="3000" dirty="0">
+                <a:solidFill>
+                  <a:srgbClr val="FFFFFF"/>
+                </a:solidFill>
+                <a:latin typeface="Open Sauce Light"/>
+              </a:rPr>
+              <a:t> </a:t>
+            </a:r>
+            <a:r>
+              <a:rPr lang="en-US" sz="3000" dirty="0" err="1">
+                <a:solidFill>
+                  <a:srgbClr val="FFFFFF"/>
+                </a:solidFill>
+                <a:latin typeface="Open Sauce Light"/>
+              </a:rPr>
+              <a:t>ikut</a:t>
+            </a:r>
+            <a:r>
+              <a:rPr lang="en-US" sz="3000" dirty="0">
+                <a:solidFill>
+                  <a:srgbClr val="FFFFFF"/>
+                </a:solidFill>
+                <a:latin typeface="Open Sauce Light"/>
+              </a:rPr>
+              <a:t> </a:t>
+            </a:r>
+            <a:r>
+              <a:rPr lang="en-US" sz="3000" dirty="0" err="1">
+                <a:solidFill>
+                  <a:srgbClr val="FFFFFF"/>
+                </a:solidFill>
+                <a:latin typeface="Open Sauce Light"/>
+              </a:rPr>
+              <a:t>praktikum</a:t>
+            </a:r>
+            <a:r>
+              <a:rPr lang="en-US" sz="3000" dirty="0">
+                <a:solidFill>
+                  <a:srgbClr val="FFFFFF"/>
+                </a:solidFill>
+                <a:latin typeface="Open Sauce Light"/>
+              </a:rPr>
+              <a:t> </a:t>
+            </a:r>
+            <a:r>
+              <a:rPr lang="en-US" sz="3000" dirty="0" err="1">
+                <a:solidFill>
+                  <a:srgbClr val="FFFFFF"/>
+                </a:solidFill>
+                <a:latin typeface="Open Sauce Light"/>
+              </a:rPr>
+              <a:t>disampaikan</a:t>
+            </a:r>
+            <a:r>
+              <a:rPr lang="en-US" sz="3000" dirty="0">
+                <a:solidFill>
+                  <a:srgbClr val="FFFFFF"/>
+                </a:solidFill>
+                <a:latin typeface="Open Sauce Light"/>
+              </a:rPr>
+              <a:t> </a:t>
+            </a:r>
+            <a:r>
+              <a:rPr lang="en-US" sz="3000" dirty="0" err="1">
+                <a:solidFill>
+                  <a:srgbClr val="FFFFFF"/>
+                </a:solidFill>
+                <a:latin typeface="Open Sauce Light"/>
+              </a:rPr>
+              <a:t>ke</a:t>
+            </a:r>
+            <a:r>
+              <a:rPr lang="en-US" sz="3000" dirty="0">
+                <a:solidFill>
+                  <a:srgbClr val="FFFFFF"/>
+                </a:solidFill>
+                <a:latin typeface="Open Sauce Light"/>
+              </a:rPr>
+              <a:t> </a:t>
+            </a:r>
+            <a:r>
+              <a:rPr lang="en-US" sz="3000" dirty="0" err="1">
+                <a:solidFill>
+                  <a:srgbClr val="FFFFFF"/>
+                </a:solidFill>
+                <a:latin typeface="Open Sauce Light"/>
+              </a:rPr>
+              <a:t>asdos</a:t>
+            </a:r>
+            <a:r>
+              <a:rPr lang="en-US" sz="3000" dirty="0">
+                <a:solidFill>
+                  <a:srgbClr val="FFFFFF"/>
+                </a:solidFill>
+                <a:latin typeface="Open Sauce Light"/>
+              </a:rPr>
+              <a:t> </a:t>
+            </a:r>
+            <a:r>
+              <a:rPr lang="en-US" sz="3000" dirty="0" err="1">
+                <a:solidFill>
+                  <a:srgbClr val="FFFFFF"/>
+                </a:solidFill>
+                <a:latin typeface="Open Sauce Light"/>
+              </a:rPr>
+              <a:t>dengan</a:t>
+            </a:r>
+            <a:r>
+              <a:rPr lang="en-US" sz="3000" dirty="0">
+                <a:solidFill>
+                  <a:srgbClr val="FFFFFF"/>
+                </a:solidFill>
+                <a:latin typeface="Open Sauce Light"/>
+              </a:rPr>
+              <a:t> </a:t>
+            </a:r>
+            <a:r>
+              <a:rPr lang="en-US" sz="3000" dirty="0" err="1">
+                <a:solidFill>
+                  <a:srgbClr val="FFFFFF"/>
+                </a:solidFill>
+                <a:latin typeface="Open Sauce Light"/>
+              </a:rPr>
+              <a:t>alasan</a:t>
+            </a:r>
+            <a:r>
+              <a:rPr lang="en-US" sz="3000" dirty="0">
+                <a:solidFill>
+                  <a:srgbClr val="FFFFFF"/>
+                </a:solidFill>
+                <a:latin typeface="Open Sauce Light"/>
+              </a:rPr>
+              <a:t> </a:t>
+            </a:r>
+            <a:r>
+              <a:rPr lang="en-US" sz="3000" dirty="0" err="1">
+                <a:solidFill>
+                  <a:srgbClr val="FFFFFF"/>
+                </a:solidFill>
+                <a:latin typeface="Open Sauce Light"/>
+              </a:rPr>
+              <a:t>jelas</a:t>
+            </a:r>
+            <a:r>
+              <a:rPr lang="en-US" sz="3000" dirty="0">
+                <a:solidFill>
+                  <a:srgbClr val="FFFFFF"/>
+                </a:solidFill>
+                <a:latin typeface="Open Sauce Light"/>
+              </a:rPr>
+              <a:t> dan </a:t>
+            </a:r>
+            <a:r>
+              <a:rPr lang="en-US" sz="3000" dirty="0" err="1">
+                <a:solidFill>
+                  <a:srgbClr val="FFFFFF"/>
+                </a:solidFill>
+                <a:latin typeface="Open Sauce Light"/>
+              </a:rPr>
+              <a:t>logis</a:t>
+            </a:r>
+            <a:endParaRPr lang="en-US" sz="3000" dirty="0">
+              <a:solidFill>
+                <a:srgbClr val="FFFFFF"/>
+              </a:solidFill>
+              <a:latin typeface="Open Sauce Light"/>
+            </a:endParaRPr>
           </a:p>
         </p:txBody>
       </p:sp>
@@ -4941,10 +5986,10 @@
   <a:themeElements>
     <a:clrScheme name="Office">
       <a:dk1>
-        <a:sysClr val="windowText" lastClr="000000"/>
+        <a:sysClr val="windowText" lastClr="C0C0C0"/>
       </a:dk1>
       <a:lt1>
-        <a:sysClr val="window" lastClr="FFFFFF"/>
+        <a:sysClr val="window" lastClr="000000"/>
       </a:lt1>
       <a:dk2>
         <a:srgbClr val="1F497D"/>
